--- a/#feminism-#demography-lecture-abigail-smith-adams.pptx
+++ b/#feminism-#demography-lecture-abigail-smith-adams.pptx
@@ -3895,7 +3895,7 @@
         <p:spPr>
           <a:xfrm>
             <a:off x="183312" y="-1"/>
-            <a:ext cx="12643556" cy="1625601"/>
+            <a:ext cx="12643557" cy="1625601"/>
           </a:xfrm>
           <a:prstGeom prst="rect">
             <a:avLst/>
@@ -4326,7 +4326,7 @@
         <p:spPr>
           <a:xfrm>
             <a:off x="0" y="9348117"/>
-            <a:ext cx="1640549" cy="459995"/>
+            <a:ext cx="1640549" cy="459996"/>
           </a:xfrm>
           <a:prstGeom prst="rect">
             <a:avLst/>
@@ -4378,7 +4378,7 @@
         </p:nvSpPr>
         <p:spPr>
           <a:xfrm>
-            <a:off x="5996622" y="9503155"/>
+            <a:off x="5996622" y="9503156"/>
             <a:ext cx="6974079" cy="250445"/>
           </a:xfrm>
           <a:prstGeom prst="rect">
@@ -4477,7 +4477,7 @@
         <p:spPr>
           <a:xfrm>
             <a:off x="183312" y="-1"/>
-            <a:ext cx="12643556" cy="1625601"/>
+            <a:ext cx="12643557" cy="1625601"/>
           </a:xfrm>
           <a:prstGeom prst="rect">
             <a:avLst/>
@@ -4867,7 +4867,7 @@
         <p:spPr>
           <a:xfrm>
             <a:off x="183312" y="-1"/>
-            <a:ext cx="12643556" cy="1625601"/>
+            <a:ext cx="12643557" cy="1625601"/>
           </a:xfrm>
           <a:prstGeom prst="rect">
             <a:avLst/>
@@ -5117,7 +5117,7 @@
         <p:spPr>
           <a:xfrm>
             <a:off x="183312" y="-1"/>
-            <a:ext cx="12643556" cy="1625601"/>
+            <a:ext cx="12643557" cy="1625601"/>
           </a:xfrm>
           <a:prstGeom prst="rect">
             <a:avLst/>
@@ -5623,7 +5623,7 @@
         <p:spPr>
           <a:xfrm>
             <a:off x="183312" y="-1"/>
-            <a:ext cx="12643556" cy="1625601"/>
+            <a:ext cx="12643557" cy="1625601"/>
           </a:xfrm>
           <a:prstGeom prst="rect">
             <a:avLst/>
@@ -6103,7 +6103,7 @@
         <p:spPr>
           <a:xfrm>
             <a:off x="183312" y="-1"/>
-            <a:ext cx="12643556" cy="1625601"/>
+            <a:ext cx="12643557" cy="1625601"/>
           </a:xfrm>
           <a:prstGeom prst="rect">
             <a:avLst/>
@@ -6645,7 +6645,7 @@
         <p:spPr>
           <a:xfrm>
             <a:off x="183312" y="-1"/>
-            <a:ext cx="12643556" cy="1625601"/>
+            <a:ext cx="12643557" cy="1625601"/>
           </a:xfrm>
           <a:prstGeom prst="rect">
             <a:avLst/>
@@ -6883,7 +6883,7 @@
         <p:spPr>
           <a:xfrm>
             <a:off x="6975689" y="1625599"/>
-            <a:ext cx="5851179" cy="7685477"/>
+            <a:ext cx="5851180" cy="7685477"/>
           </a:xfrm>
           <a:prstGeom prst="rect">
             <a:avLst/>
